--- a/_book/plot/pro-survey-q8-pie-1.pptx
+++ b/_book/plot/pro-survey-q8-pie-1.pptx
@@ -3158,107 +3158,107 @@
           <p:spPr>
             <a:xfrm>
               <a:off x="4739591" y="1973107"/>
-              <a:ext cx="226320" cy="1808317"/>
+              <a:ext cx="225932" cy="1808317"/>
             </a:xfrm>
             <a:custGeom>
               <a:avLst/>
               <a:pathLst>
-                <a:path w="226320" h="1808317">
+                <a:path w="225932" h="1808317">
                   <a:moveTo>
                     <a:pt x="0" y="1808317"/>
                   </a:moveTo>
                   <a:lnTo>
-                    <a:pt x="7804" y="1746451"/>
-                  </a:lnTo>
-                  <a:lnTo>
-                    <a:pt x="15608" y="1684586"/>
-                  </a:lnTo>
-                  <a:lnTo>
-                    <a:pt x="23412" y="1622721"/>
-                  </a:lnTo>
-                  <a:lnTo>
-                    <a:pt x="31216" y="1560855"/>
-                  </a:lnTo>
-                  <a:lnTo>
-                    <a:pt x="39020" y="1498990"/>
-                  </a:lnTo>
-                  <a:lnTo>
-                    <a:pt x="46824" y="1437124"/>
-                  </a:lnTo>
-                  <a:lnTo>
-                    <a:pt x="54629" y="1375259"/>
-                  </a:lnTo>
-                  <a:lnTo>
-                    <a:pt x="62433" y="1313393"/>
-                  </a:lnTo>
-                  <a:lnTo>
-                    <a:pt x="70237" y="1251528"/>
-                  </a:lnTo>
-                  <a:lnTo>
-                    <a:pt x="78041" y="1189662"/>
-                  </a:lnTo>
-                  <a:lnTo>
-                    <a:pt x="85845" y="1127797"/>
-                  </a:lnTo>
-                  <a:lnTo>
-                    <a:pt x="93649" y="1065931"/>
-                  </a:lnTo>
-                  <a:lnTo>
-                    <a:pt x="101454" y="1004066"/>
-                  </a:lnTo>
-                  <a:lnTo>
-                    <a:pt x="109258" y="942200"/>
-                  </a:lnTo>
-                  <a:lnTo>
-                    <a:pt x="117062" y="880335"/>
-                  </a:lnTo>
-                  <a:lnTo>
-                    <a:pt x="124866" y="818469"/>
-                  </a:lnTo>
-                  <a:lnTo>
-                    <a:pt x="132670" y="756604"/>
-                  </a:lnTo>
-                  <a:lnTo>
-                    <a:pt x="140474" y="694738"/>
-                  </a:lnTo>
-                  <a:lnTo>
-                    <a:pt x="148279" y="632873"/>
-                  </a:lnTo>
-                  <a:lnTo>
-                    <a:pt x="156083" y="571007"/>
-                  </a:lnTo>
-                  <a:lnTo>
-                    <a:pt x="163887" y="509142"/>
-                  </a:lnTo>
-                  <a:lnTo>
-                    <a:pt x="171691" y="447276"/>
-                  </a:lnTo>
-                  <a:lnTo>
-                    <a:pt x="179495" y="385411"/>
-                  </a:lnTo>
-                  <a:lnTo>
-                    <a:pt x="187299" y="323545"/>
-                  </a:lnTo>
-                  <a:lnTo>
-                    <a:pt x="195104" y="261680"/>
-                  </a:lnTo>
-                  <a:lnTo>
-                    <a:pt x="202908" y="199814"/>
-                  </a:lnTo>
-                  <a:lnTo>
-                    <a:pt x="210712" y="137949"/>
-                  </a:lnTo>
-                  <a:lnTo>
-                    <a:pt x="218516" y="76084"/>
-                  </a:lnTo>
-                  <a:lnTo>
-                    <a:pt x="226320" y="14218"/>
-                  </a:lnTo>
-                  <a:lnTo>
-                    <a:pt x="151100" y="6323"/>
-                  </a:lnTo>
-                  <a:lnTo>
-                    <a:pt x="75616" y="1581"/>
+                    <a:pt x="7790" y="1746450"/>
+                  </a:lnTo>
+                  <a:lnTo>
+                    <a:pt x="15581" y="1684583"/>
+                  </a:lnTo>
+                  <a:lnTo>
+                    <a:pt x="23372" y="1622715"/>
+                  </a:lnTo>
+                  <a:lnTo>
+                    <a:pt x="31163" y="1560848"/>
+                  </a:lnTo>
+                  <a:lnTo>
+                    <a:pt x="38953" y="1498981"/>
+                  </a:lnTo>
+                  <a:lnTo>
+                    <a:pt x="46744" y="1437114"/>
+                  </a:lnTo>
+                  <a:lnTo>
+                    <a:pt x="54535" y="1375247"/>
+                  </a:lnTo>
+                  <a:lnTo>
+                    <a:pt x="62326" y="1313380"/>
+                  </a:lnTo>
+                  <a:lnTo>
+                    <a:pt x="70116" y="1251512"/>
+                  </a:lnTo>
+                  <a:lnTo>
+                    <a:pt x="77907" y="1189645"/>
+                  </a:lnTo>
+                  <a:lnTo>
+                    <a:pt x="85698" y="1127778"/>
+                  </a:lnTo>
+                  <a:lnTo>
+                    <a:pt x="93489" y="1065911"/>
+                  </a:lnTo>
+                  <a:lnTo>
+                    <a:pt x="101280" y="1004044"/>
+                  </a:lnTo>
+                  <a:lnTo>
+                    <a:pt x="109070" y="942177"/>
+                  </a:lnTo>
+                  <a:lnTo>
+                    <a:pt x="116861" y="880309"/>
+                  </a:lnTo>
+                  <a:lnTo>
+                    <a:pt x="124652" y="818442"/>
+                  </a:lnTo>
+                  <a:lnTo>
+                    <a:pt x="132443" y="756575"/>
+                  </a:lnTo>
+                  <a:lnTo>
+                    <a:pt x="140233" y="694708"/>
+                  </a:lnTo>
+                  <a:lnTo>
+                    <a:pt x="148024" y="632841"/>
+                  </a:lnTo>
+                  <a:lnTo>
+                    <a:pt x="155815" y="570974"/>
+                  </a:lnTo>
+                  <a:lnTo>
+                    <a:pt x="163606" y="509106"/>
+                  </a:lnTo>
+                  <a:lnTo>
+                    <a:pt x="171397" y="447239"/>
+                  </a:lnTo>
+                  <a:lnTo>
+                    <a:pt x="179187" y="385372"/>
+                  </a:lnTo>
+                  <a:lnTo>
+                    <a:pt x="186978" y="323505"/>
+                  </a:lnTo>
+                  <a:lnTo>
+                    <a:pt x="194769" y="261638"/>
+                  </a:lnTo>
+                  <a:lnTo>
+                    <a:pt x="202560" y="199771"/>
+                  </a:lnTo>
+                  <a:lnTo>
+                    <a:pt x="210350" y="137903"/>
+                  </a:lnTo>
+                  <a:lnTo>
+                    <a:pt x="218141" y="76036"/>
+                  </a:lnTo>
+                  <a:lnTo>
+                    <a:pt x="225932" y="14169"/>
+                  </a:lnTo>
+                  <a:lnTo>
+                    <a:pt x="150840" y="6302"/>
+                  </a:lnTo>
+                  <a:lnTo>
+                    <a:pt x="75486" y="1576"/>
                   </a:lnTo>
                   <a:lnTo>
                     <a:pt x="0" y="0"/>
@@ -3380,285 +3380,285 @@
           </p:nvSpPr>
           <p:spPr>
             <a:xfrm>
-              <a:off x="4739591" y="1987326"/>
-              <a:ext cx="1723774" cy="1794098"/>
+              <a:off x="4739591" y="1987277"/>
+              <a:ext cx="1717588" cy="1794147"/>
             </a:xfrm>
             <a:custGeom>
               <a:avLst/>
               <a:pathLst>
-                <a:path w="1723774" h="1794098">
+                <a:path w="1717588" h="1794147">
                   <a:moveTo>
-                    <a:pt x="0" y="1794098"/>
+                    <a:pt x="0" y="1794147"/>
                   </a:moveTo>
                   <a:lnTo>
-                    <a:pt x="59440" y="1775255"/>
-                  </a:lnTo>
-                  <a:lnTo>
-                    <a:pt x="118881" y="1756412"/>
-                  </a:lnTo>
-                  <a:lnTo>
-                    <a:pt x="178321" y="1737569"/>
-                  </a:lnTo>
-                  <a:lnTo>
-                    <a:pt x="237762" y="1718725"/>
-                  </a:lnTo>
-                  <a:lnTo>
-                    <a:pt x="297202" y="1699882"/>
-                  </a:lnTo>
-                  <a:lnTo>
-                    <a:pt x="356643" y="1681039"/>
-                  </a:lnTo>
-                  <a:lnTo>
-                    <a:pt x="416083" y="1662196"/>
-                  </a:lnTo>
-                  <a:lnTo>
-                    <a:pt x="475524" y="1643352"/>
-                  </a:lnTo>
-                  <a:lnTo>
-                    <a:pt x="534964" y="1624509"/>
-                  </a:lnTo>
-                  <a:lnTo>
-                    <a:pt x="594405" y="1605666"/>
-                  </a:lnTo>
-                  <a:lnTo>
-                    <a:pt x="653845" y="1586823"/>
-                  </a:lnTo>
-                  <a:lnTo>
-                    <a:pt x="713286" y="1567979"/>
-                  </a:lnTo>
-                  <a:lnTo>
-                    <a:pt x="772726" y="1549136"/>
-                  </a:lnTo>
-                  <a:lnTo>
-                    <a:pt x="832167" y="1530293"/>
-                  </a:lnTo>
-                  <a:lnTo>
-                    <a:pt x="891607" y="1511449"/>
-                  </a:lnTo>
-                  <a:lnTo>
-                    <a:pt x="951048" y="1492606"/>
-                  </a:lnTo>
-                  <a:lnTo>
-                    <a:pt x="1010488" y="1473763"/>
-                  </a:lnTo>
-                  <a:lnTo>
-                    <a:pt x="1069929" y="1454920"/>
-                  </a:lnTo>
-                  <a:lnTo>
-                    <a:pt x="1129369" y="1436076"/>
-                  </a:lnTo>
-                  <a:lnTo>
-                    <a:pt x="1188810" y="1417233"/>
-                  </a:lnTo>
-                  <a:lnTo>
-                    <a:pt x="1248250" y="1398390"/>
-                  </a:lnTo>
-                  <a:lnTo>
-                    <a:pt x="1307691" y="1379547"/>
-                  </a:lnTo>
-                  <a:lnTo>
-                    <a:pt x="1367131" y="1360703"/>
-                  </a:lnTo>
-                  <a:lnTo>
-                    <a:pt x="1426572" y="1341860"/>
-                  </a:lnTo>
-                  <a:lnTo>
-                    <a:pt x="1486012" y="1323017"/>
-                  </a:lnTo>
-                  <a:lnTo>
-                    <a:pt x="1545453" y="1304174"/>
-                  </a:lnTo>
-                  <a:lnTo>
-                    <a:pt x="1604893" y="1285330"/>
-                  </a:lnTo>
-                  <a:lnTo>
-                    <a:pt x="1664334" y="1266487"/>
-                  </a:lnTo>
-                  <a:lnTo>
-                    <a:pt x="1723774" y="1247644"/>
-                  </a:lnTo>
-                  <a:lnTo>
-                    <a:pt x="1703903" y="1188520"/>
-                  </a:lnTo>
-                  <a:lnTo>
-                    <a:pt x="1682004" y="1130116"/>
-                  </a:lnTo>
-                  <a:lnTo>
-                    <a:pt x="1658104" y="1072502"/>
-                  </a:lnTo>
-                  <a:lnTo>
-                    <a:pt x="1632232" y="1015747"/>
-                  </a:lnTo>
-                  <a:lnTo>
-                    <a:pt x="1604417" y="959918"/>
-                  </a:lnTo>
-                  <a:lnTo>
-                    <a:pt x="1574693" y="905082"/>
-                  </a:lnTo>
-                  <a:lnTo>
-                    <a:pt x="1543097" y="851303"/>
-                  </a:lnTo>
-                  <a:lnTo>
-                    <a:pt x="1509664" y="798646"/>
-                  </a:lnTo>
-                  <a:lnTo>
-                    <a:pt x="1474435" y="747173"/>
-                  </a:lnTo>
-                  <a:lnTo>
-                    <a:pt x="1437451" y="696946"/>
-                  </a:lnTo>
-                  <a:lnTo>
-                    <a:pt x="1398758" y="648024"/>
-                  </a:lnTo>
-                  <a:lnTo>
-                    <a:pt x="1358400" y="600465"/>
-                  </a:lnTo>
-                  <a:lnTo>
-                    <a:pt x="1316426" y="554327"/>
-                  </a:lnTo>
-                  <a:lnTo>
-                    <a:pt x="1272886" y="509664"/>
-                  </a:lnTo>
-                  <a:lnTo>
-                    <a:pt x="1227832" y="466529"/>
-                  </a:lnTo>
-                  <a:lnTo>
-                    <a:pt x="1181316" y="424974"/>
-                  </a:lnTo>
-                  <a:lnTo>
-                    <a:pt x="1133395" y="385047"/>
-                  </a:lnTo>
-                  <a:lnTo>
-                    <a:pt x="1084126" y="346797"/>
-                  </a:lnTo>
-                  <a:lnTo>
-                    <a:pt x="1033567" y="310269"/>
-                  </a:lnTo>
-                  <a:lnTo>
-                    <a:pt x="981778" y="275506"/>
-                  </a:lnTo>
-                  <a:lnTo>
-                    <a:pt x="928821" y="242550"/>
-                  </a:lnTo>
-                  <a:lnTo>
-                    <a:pt x="874759" y="211440"/>
-                  </a:lnTo>
-                  <a:lnTo>
-                    <a:pt x="819656" y="182213"/>
-                  </a:lnTo>
-                  <a:lnTo>
-                    <a:pt x="763578" y="154904"/>
-                  </a:lnTo>
-                  <a:lnTo>
-                    <a:pt x="706592" y="129545"/>
-                  </a:lnTo>
-                  <a:lnTo>
-                    <a:pt x="648765" y="106166"/>
-                  </a:lnTo>
-                  <a:lnTo>
-                    <a:pt x="590166" y="84796"/>
-                  </a:lnTo>
-                  <a:lnTo>
-                    <a:pt x="530864" y="65459"/>
-                  </a:lnTo>
-                  <a:lnTo>
-                    <a:pt x="470932" y="48179"/>
-                  </a:lnTo>
-                  <a:lnTo>
-                    <a:pt x="410439" y="32976"/>
-                  </a:lnTo>
-                  <a:lnTo>
-                    <a:pt x="349457" y="19869"/>
-                  </a:lnTo>
-                  <a:lnTo>
-                    <a:pt x="288060" y="8872"/>
-                  </a:lnTo>
-                  <a:lnTo>
-                    <a:pt x="226320" y="0"/>
-                  </a:lnTo>
-                  <a:lnTo>
-                    <a:pt x="218516" y="61865"/>
-                  </a:lnTo>
-                  <a:lnTo>
-                    <a:pt x="210712" y="123730"/>
-                  </a:lnTo>
-                  <a:lnTo>
-                    <a:pt x="202908" y="185596"/>
-                  </a:lnTo>
-                  <a:lnTo>
-                    <a:pt x="195104" y="247461"/>
-                  </a:lnTo>
-                  <a:lnTo>
-                    <a:pt x="187299" y="309327"/>
-                  </a:lnTo>
-                  <a:lnTo>
-                    <a:pt x="179495" y="371192"/>
-                  </a:lnTo>
-                  <a:lnTo>
-                    <a:pt x="171691" y="433058"/>
-                  </a:lnTo>
-                  <a:lnTo>
-                    <a:pt x="163887" y="494923"/>
-                  </a:lnTo>
-                  <a:lnTo>
-                    <a:pt x="156083" y="556789"/>
-                  </a:lnTo>
-                  <a:lnTo>
-                    <a:pt x="148279" y="618654"/>
-                  </a:lnTo>
-                  <a:lnTo>
-                    <a:pt x="140474" y="680520"/>
-                  </a:lnTo>
-                  <a:lnTo>
-                    <a:pt x="132670" y="742385"/>
-                  </a:lnTo>
-                  <a:lnTo>
-                    <a:pt x="124866" y="804251"/>
-                  </a:lnTo>
-                  <a:lnTo>
-                    <a:pt x="117062" y="866116"/>
-                  </a:lnTo>
-                  <a:lnTo>
-                    <a:pt x="109258" y="927982"/>
-                  </a:lnTo>
-                  <a:lnTo>
-                    <a:pt x="101454" y="989847"/>
-                  </a:lnTo>
-                  <a:lnTo>
-                    <a:pt x="93649" y="1051713"/>
-                  </a:lnTo>
-                  <a:lnTo>
-                    <a:pt x="85845" y="1113578"/>
-                  </a:lnTo>
-                  <a:lnTo>
-                    <a:pt x="78041" y="1175444"/>
-                  </a:lnTo>
-                  <a:lnTo>
-                    <a:pt x="70237" y="1237309"/>
-                  </a:lnTo>
-                  <a:lnTo>
-                    <a:pt x="62433" y="1299175"/>
-                  </a:lnTo>
-                  <a:lnTo>
-                    <a:pt x="54629" y="1361040"/>
-                  </a:lnTo>
-                  <a:lnTo>
-                    <a:pt x="46824" y="1422906"/>
-                  </a:lnTo>
-                  <a:lnTo>
-                    <a:pt x="39020" y="1484771"/>
-                  </a:lnTo>
-                  <a:lnTo>
-                    <a:pt x="31216" y="1546636"/>
-                  </a:lnTo>
-                  <a:lnTo>
-                    <a:pt x="23412" y="1608502"/>
-                  </a:lnTo>
-                  <a:lnTo>
-                    <a:pt x="15608" y="1670367"/>
-                  </a:lnTo>
-                  <a:lnTo>
-                    <a:pt x="7804" y="1732233"/>
+                    <a:pt x="59227" y="1774644"/>
+                  </a:lnTo>
+                  <a:lnTo>
+                    <a:pt x="118454" y="1755140"/>
+                  </a:lnTo>
+                  <a:lnTo>
+                    <a:pt x="177681" y="1735637"/>
+                  </a:lnTo>
+                  <a:lnTo>
+                    <a:pt x="236908" y="1716134"/>
+                  </a:lnTo>
+                  <a:lnTo>
+                    <a:pt x="296135" y="1696630"/>
+                  </a:lnTo>
+                  <a:lnTo>
+                    <a:pt x="355363" y="1677127"/>
+                  </a:lnTo>
+                  <a:lnTo>
+                    <a:pt x="414590" y="1657623"/>
+                  </a:lnTo>
+                  <a:lnTo>
+                    <a:pt x="473817" y="1638120"/>
+                  </a:lnTo>
+                  <a:lnTo>
+                    <a:pt x="533044" y="1618616"/>
+                  </a:lnTo>
+                  <a:lnTo>
+                    <a:pt x="592271" y="1599113"/>
+                  </a:lnTo>
+                  <a:lnTo>
+                    <a:pt x="651498" y="1579610"/>
+                  </a:lnTo>
+                  <a:lnTo>
+                    <a:pt x="710726" y="1560106"/>
+                  </a:lnTo>
+                  <a:lnTo>
+                    <a:pt x="769953" y="1540603"/>
+                  </a:lnTo>
+                  <a:lnTo>
+                    <a:pt x="829180" y="1521099"/>
+                  </a:lnTo>
+                  <a:lnTo>
+                    <a:pt x="888407" y="1501596"/>
+                  </a:lnTo>
+                  <a:lnTo>
+                    <a:pt x="947634" y="1482092"/>
+                  </a:lnTo>
+                  <a:lnTo>
+                    <a:pt x="1006861" y="1462589"/>
+                  </a:lnTo>
+                  <a:lnTo>
+                    <a:pt x="1066089" y="1443085"/>
+                  </a:lnTo>
+                  <a:lnTo>
+                    <a:pt x="1125316" y="1423582"/>
+                  </a:lnTo>
+                  <a:lnTo>
+                    <a:pt x="1184543" y="1404079"/>
+                  </a:lnTo>
+                  <a:lnTo>
+                    <a:pt x="1243770" y="1384575"/>
+                  </a:lnTo>
+                  <a:lnTo>
+                    <a:pt x="1302997" y="1365072"/>
+                  </a:lnTo>
+                  <a:lnTo>
+                    <a:pt x="1362225" y="1345568"/>
+                  </a:lnTo>
+                  <a:lnTo>
+                    <a:pt x="1421452" y="1326065"/>
+                  </a:lnTo>
+                  <a:lnTo>
+                    <a:pt x="1480679" y="1306561"/>
+                  </a:lnTo>
+                  <a:lnTo>
+                    <a:pt x="1539906" y="1287058"/>
+                  </a:lnTo>
+                  <a:lnTo>
+                    <a:pt x="1599133" y="1267554"/>
+                  </a:lnTo>
+                  <a:lnTo>
+                    <a:pt x="1658360" y="1248051"/>
+                  </a:lnTo>
+                  <a:lnTo>
+                    <a:pt x="1717588" y="1228548"/>
+                  </a:lnTo>
+                  <a:lnTo>
+                    <a:pt x="1697266" y="1170209"/>
+                  </a:lnTo>
+                  <a:lnTo>
+                    <a:pt x="1674963" y="1112599"/>
+                  </a:lnTo>
+                  <a:lnTo>
+                    <a:pt x="1650706" y="1055785"/>
+                  </a:lnTo>
+                  <a:lnTo>
+                    <a:pt x="1624522" y="999832"/>
+                  </a:lnTo>
+                  <a:lnTo>
+                    <a:pt x="1596443" y="944806"/>
+                  </a:lnTo>
+                  <a:lnTo>
+                    <a:pt x="1566500" y="890771"/>
+                  </a:lnTo>
+                  <a:lnTo>
+                    <a:pt x="1534729" y="837791"/>
+                  </a:lnTo>
+                  <a:lnTo>
+                    <a:pt x="1501166" y="785926"/>
+                  </a:lnTo>
+                  <a:lnTo>
+                    <a:pt x="1465852" y="735239"/>
+                  </a:lnTo>
+                  <a:lnTo>
+                    <a:pt x="1428827" y="685787"/>
+                  </a:lnTo>
+                  <a:lnTo>
+                    <a:pt x="1390135" y="637629"/>
+                  </a:lnTo>
+                  <a:lnTo>
+                    <a:pt x="1349820" y="590820"/>
+                  </a:lnTo>
+                  <a:lnTo>
+                    <a:pt x="1307930" y="545416"/>
+                  </a:lnTo>
+                  <a:lnTo>
+                    <a:pt x="1264513" y="501469"/>
+                  </a:lnTo>
+                  <a:lnTo>
+                    <a:pt x="1219621" y="459031"/>
+                  </a:lnTo>
+                  <a:lnTo>
+                    <a:pt x="1173305" y="418151"/>
+                  </a:lnTo>
+                  <a:lnTo>
+                    <a:pt x="1125620" y="378877"/>
+                  </a:lnTo>
+                  <a:lnTo>
+                    <a:pt x="1076621" y="341254"/>
+                  </a:lnTo>
+                  <a:lnTo>
+                    <a:pt x="1026366" y="305328"/>
+                  </a:lnTo>
+                  <a:lnTo>
+                    <a:pt x="974913" y="271138"/>
+                  </a:lnTo>
+                  <a:lnTo>
+                    <a:pt x="922322" y="238727"/>
+                  </a:lnTo>
+                  <a:lnTo>
+                    <a:pt x="868655" y="208130"/>
+                  </a:lnTo>
+                  <a:lnTo>
+                    <a:pt x="813973" y="179385"/>
+                  </a:lnTo>
+                  <a:lnTo>
+                    <a:pt x="758342" y="152524"/>
+                  </a:lnTo>
+                  <a:lnTo>
+                    <a:pt x="701826" y="127579"/>
+                  </a:lnTo>
+                  <a:lnTo>
+                    <a:pt x="644491" y="104579"/>
+                  </a:lnTo>
+                  <a:lnTo>
+                    <a:pt x="586404" y="83550"/>
+                  </a:lnTo>
+                  <a:lnTo>
+                    <a:pt x="527632" y="64519"/>
+                  </a:lnTo>
+                  <a:lnTo>
+                    <a:pt x="468245" y="47505"/>
+                  </a:lnTo>
+                  <a:lnTo>
+                    <a:pt x="408311" y="32530"/>
+                  </a:lnTo>
+                  <a:lnTo>
+                    <a:pt x="347900" y="19612"/>
+                  </a:lnTo>
+                  <a:lnTo>
+                    <a:pt x="287084" y="8764"/>
+                  </a:lnTo>
+                  <a:lnTo>
+                    <a:pt x="225932" y="0"/>
+                  </a:lnTo>
+                  <a:lnTo>
+                    <a:pt x="218141" y="61867"/>
+                  </a:lnTo>
+                  <a:lnTo>
+                    <a:pt x="210350" y="123734"/>
+                  </a:lnTo>
+                  <a:lnTo>
+                    <a:pt x="202560" y="185601"/>
+                  </a:lnTo>
+                  <a:lnTo>
+                    <a:pt x="194769" y="247468"/>
+                  </a:lnTo>
+                  <a:lnTo>
+                    <a:pt x="186978" y="309335"/>
+                  </a:lnTo>
+                  <a:lnTo>
+                    <a:pt x="179187" y="371202"/>
+                  </a:lnTo>
+                  <a:lnTo>
+                    <a:pt x="171397" y="433070"/>
+                  </a:lnTo>
+                  <a:lnTo>
+                    <a:pt x="163606" y="494937"/>
+                  </a:lnTo>
+                  <a:lnTo>
+                    <a:pt x="155815" y="556804"/>
+                  </a:lnTo>
+                  <a:lnTo>
+                    <a:pt x="148024" y="618671"/>
+                  </a:lnTo>
+                  <a:lnTo>
+                    <a:pt x="140233" y="680538"/>
+                  </a:lnTo>
+                  <a:lnTo>
+                    <a:pt x="132443" y="742405"/>
+                  </a:lnTo>
+                  <a:lnTo>
+                    <a:pt x="124652" y="804273"/>
+                  </a:lnTo>
+                  <a:lnTo>
+                    <a:pt x="116861" y="866140"/>
+                  </a:lnTo>
+                  <a:lnTo>
+                    <a:pt x="109070" y="928007"/>
+                  </a:lnTo>
+                  <a:lnTo>
+                    <a:pt x="101280" y="989874"/>
+                  </a:lnTo>
+                  <a:lnTo>
+                    <a:pt x="93489" y="1051741"/>
+                  </a:lnTo>
+                  <a:lnTo>
+                    <a:pt x="85698" y="1113608"/>
+                  </a:lnTo>
+                  <a:lnTo>
+                    <a:pt x="77907" y="1175476"/>
+                  </a:lnTo>
+                  <a:lnTo>
+                    <a:pt x="70116" y="1237343"/>
+                  </a:lnTo>
+                  <a:lnTo>
+                    <a:pt x="62326" y="1299210"/>
+                  </a:lnTo>
+                  <a:lnTo>
+                    <a:pt x="54535" y="1361077"/>
+                  </a:lnTo>
+                  <a:lnTo>
+                    <a:pt x="46744" y="1422944"/>
+                  </a:lnTo>
+                  <a:lnTo>
+                    <a:pt x="38953" y="1484811"/>
+                  </a:lnTo>
+                  <a:lnTo>
+                    <a:pt x="31163" y="1546679"/>
+                  </a:lnTo>
+                  <a:lnTo>
+                    <a:pt x="23372" y="1608546"/>
+                  </a:lnTo>
+                  <a:lnTo>
+                    <a:pt x="15581" y="1670413"/>
+                  </a:lnTo>
+                  <a:lnTo>
+                    <a:pt x="7790" y="1732280"/>
                   </a:lnTo>
                   <a:close/>
                 </a:path>
@@ -3693,630 +3693,630 @@
           </p:nvSpPr>
           <p:spPr>
             <a:xfrm>
-              <a:off x="2931377" y="1973107"/>
-              <a:ext cx="3616528" cy="3616494"/>
+              <a:off x="2931321" y="1973107"/>
+              <a:ext cx="3616452" cy="3616444"/>
             </a:xfrm>
             <a:custGeom>
               <a:avLst/>
               <a:pathLst>
-                <a:path w="3616528" h="3616494">
+                <a:path w="3616452" h="3616444">
                   <a:moveTo>
-                    <a:pt x="1808213" y="1808317"/>
+                    <a:pt x="1808269" y="1808317"/>
                   </a:moveTo>
                   <a:lnTo>
-                    <a:pt x="1808213" y="1745961"/>
-                  </a:lnTo>
-                  <a:lnTo>
-                    <a:pt x="1808213" y="1683605"/>
-                  </a:lnTo>
-                  <a:lnTo>
-                    <a:pt x="1808213" y="1621250"/>
-                  </a:lnTo>
-                  <a:lnTo>
-                    <a:pt x="1808213" y="1558894"/>
-                  </a:lnTo>
-                  <a:lnTo>
-                    <a:pt x="1808213" y="1496538"/>
-                  </a:lnTo>
-                  <a:lnTo>
-                    <a:pt x="1808213" y="1434182"/>
-                  </a:lnTo>
-                  <a:lnTo>
-                    <a:pt x="1808213" y="1371827"/>
-                  </a:lnTo>
-                  <a:lnTo>
-                    <a:pt x="1808213" y="1309471"/>
-                  </a:lnTo>
-                  <a:lnTo>
-                    <a:pt x="1808213" y="1247115"/>
-                  </a:lnTo>
-                  <a:lnTo>
-                    <a:pt x="1808213" y="1184759"/>
-                  </a:lnTo>
-                  <a:lnTo>
-                    <a:pt x="1808213" y="1122403"/>
-                  </a:lnTo>
-                  <a:lnTo>
-                    <a:pt x="1808213" y="1060048"/>
-                  </a:lnTo>
-                  <a:lnTo>
-                    <a:pt x="1808213" y="997692"/>
-                  </a:lnTo>
-                  <a:lnTo>
-                    <a:pt x="1808213" y="935336"/>
-                  </a:lnTo>
-                  <a:lnTo>
-                    <a:pt x="1808213" y="872980"/>
-                  </a:lnTo>
-                  <a:lnTo>
-                    <a:pt x="1808213" y="810625"/>
-                  </a:lnTo>
-                  <a:lnTo>
-                    <a:pt x="1808213" y="748269"/>
-                  </a:lnTo>
-                  <a:lnTo>
-                    <a:pt x="1808213" y="685913"/>
-                  </a:lnTo>
-                  <a:lnTo>
-                    <a:pt x="1808213" y="623557"/>
-                  </a:lnTo>
-                  <a:lnTo>
-                    <a:pt x="1808213" y="561201"/>
-                  </a:lnTo>
-                  <a:lnTo>
-                    <a:pt x="1808213" y="498846"/>
-                  </a:lnTo>
-                  <a:lnTo>
-                    <a:pt x="1808213" y="436490"/>
-                  </a:lnTo>
-                  <a:lnTo>
-                    <a:pt x="1808213" y="374134"/>
-                  </a:lnTo>
-                  <a:lnTo>
-                    <a:pt x="1808213" y="311778"/>
-                  </a:lnTo>
-                  <a:lnTo>
-                    <a:pt x="1808213" y="249423"/>
-                  </a:lnTo>
-                  <a:lnTo>
-                    <a:pt x="1808213" y="187067"/>
-                  </a:lnTo>
-                  <a:lnTo>
-                    <a:pt x="1808213" y="124711"/>
-                  </a:lnTo>
-                  <a:lnTo>
-                    <a:pt x="1808213" y="62355"/>
-                  </a:lnTo>
-                  <a:lnTo>
-                    <a:pt x="1808213" y="0"/>
-                  </a:lnTo>
-                  <a:lnTo>
-                    <a:pt x="1746896" y="1039"/>
-                  </a:lnTo>
-                  <a:lnTo>
-                    <a:pt x="1685650" y="4158"/>
-                  </a:lnTo>
-                  <a:lnTo>
-                    <a:pt x="1624545" y="9351"/>
-                  </a:lnTo>
-                  <a:lnTo>
-                    <a:pt x="1563651" y="16614"/>
-                  </a:lnTo>
-                  <a:lnTo>
-                    <a:pt x="1503038" y="25937"/>
-                  </a:lnTo>
-                  <a:lnTo>
-                    <a:pt x="1442776" y="37309"/>
-                  </a:lnTo>
-                  <a:lnTo>
-                    <a:pt x="1382934" y="50719"/>
-                  </a:lnTo>
-                  <a:lnTo>
-                    <a:pt x="1323582" y="66150"/>
-                  </a:lnTo>
-                  <a:lnTo>
-                    <a:pt x="1264787" y="83585"/>
-                  </a:lnTo>
-                  <a:lnTo>
-                    <a:pt x="1206617" y="103004"/>
-                  </a:lnTo>
-                  <a:lnTo>
-                    <a:pt x="1149139" y="124383"/>
-                  </a:lnTo>
-                  <a:lnTo>
-                    <a:pt x="1092418" y="147700"/>
-                  </a:lnTo>
-                  <a:lnTo>
-                    <a:pt x="1036521" y="172926"/>
-                  </a:lnTo>
-                  <a:lnTo>
-                    <a:pt x="981512" y="200033"/>
-                  </a:lnTo>
-                  <a:lnTo>
-                    <a:pt x="927453" y="228990"/>
-                  </a:lnTo>
-                  <a:lnTo>
-                    <a:pt x="874408" y="259763"/>
-                  </a:lnTo>
-                  <a:lnTo>
-                    <a:pt x="822436" y="292317"/>
-                  </a:lnTo>
-                  <a:lnTo>
-                    <a:pt x="771598" y="326615"/>
-                  </a:lnTo>
-                  <a:lnTo>
-                    <a:pt x="721952" y="362617"/>
-                  </a:lnTo>
-                  <a:lnTo>
-                    <a:pt x="673556" y="400281"/>
-                  </a:lnTo>
-                  <a:lnTo>
-                    <a:pt x="626464" y="439565"/>
-                  </a:lnTo>
-                  <a:lnTo>
-                    <a:pt x="580732" y="480423"/>
-                  </a:lnTo>
-                  <a:lnTo>
-                    <a:pt x="536411" y="522808"/>
-                  </a:lnTo>
-                  <a:lnTo>
-                    <a:pt x="493553" y="566672"/>
-                  </a:lnTo>
-                  <a:lnTo>
-                    <a:pt x="452207" y="611964"/>
-                  </a:lnTo>
-                  <a:lnTo>
-                    <a:pt x="412421" y="658632"/>
-                  </a:lnTo>
-                  <a:lnTo>
-                    <a:pt x="374240" y="706622"/>
-                  </a:lnTo>
-                  <a:lnTo>
-                    <a:pt x="337708" y="755879"/>
-                  </a:lnTo>
-                  <a:lnTo>
-                    <a:pt x="302867" y="806346"/>
-                  </a:lnTo>
-                  <a:lnTo>
-                    <a:pt x="269758" y="857966"/>
-                  </a:lnTo>
-                  <a:lnTo>
-                    <a:pt x="238418" y="910679"/>
-                  </a:lnTo>
-                  <a:lnTo>
-                    <a:pt x="208883" y="964424"/>
-                  </a:lnTo>
-                  <a:lnTo>
-                    <a:pt x="181188" y="1019139"/>
-                  </a:lnTo>
-                  <a:lnTo>
-                    <a:pt x="155364" y="1074763"/>
-                  </a:lnTo>
-                  <a:lnTo>
-                    <a:pt x="131441" y="1131230"/>
-                  </a:lnTo>
-                  <a:lnTo>
-                    <a:pt x="109446" y="1188475"/>
-                  </a:lnTo>
-                  <a:lnTo>
-                    <a:pt x="89405" y="1246434"/>
-                  </a:lnTo>
-                  <a:lnTo>
-                    <a:pt x="71341" y="1305039"/>
-                  </a:lnTo>
-                  <a:lnTo>
-                    <a:pt x="55275" y="1364222"/>
-                  </a:lnTo>
-                  <a:lnTo>
-                    <a:pt x="41225" y="1423917"/>
-                  </a:lnTo>
-                  <a:lnTo>
-                    <a:pt x="29206" y="1484053"/>
-                  </a:lnTo>
-                  <a:lnTo>
-                    <a:pt x="19234" y="1544563"/>
-                  </a:lnTo>
-                  <a:lnTo>
-                    <a:pt x="11319" y="1605375"/>
-                  </a:lnTo>
-                  <a:lnTo>
-                    <a:pt x="5471" y="1666422"/>
-                  </a:lnTo>
-                  <a:lnTo>
-                    <a:pt x="1697" y="1727631"/>
-                  </a:lnTo>
-                  <a:lnTo>
-                    <a:pt x="0" y="1788933"/>
-                  </a:lnTo>
-                  <a:lnTo>
-                    <a:pt x="382" y="1850258"/>
-                  </a:lnTo>
-                  <a:lnTo>
-                    <a:pt x="2844" y="1911534"/>
-                  </a:lnTo>
-                  <a:lnTo>
-                    <a:pt x="7382" y="1972691"/>
-                  </a:lnTo>
-                  <a:lnTo>
-                    <a:pt x="13991" y="2033660"/>
-                  </a:lnTo>
-                  <a:lnTo>
-                    <a:pt x="22664" y="2094369"/>
-                  </a:lnTo>
-                  <a:lnTo>
-                    <a:pt x="33390" y="2154749"/>
-                  </a:lnTo>
-                  <a:lnTo>
-                    <a:pt x="46158" y="2214731"/>
-                  </a:lnTo>
-                  <a:lnTo>
-                    <a:pt x="60952" y="2274246"/>
-                  </a:lnTo>
-                  <a:lnTo>
-                    <a:pt x="77755" y="2333224"/>
-                  </a:lnTo>
-                  <a:lnTo>
-                    <a:pt x="96549" y="2391599"/>
-                  </a:lnTo>
-                  <a:lnTo>
-                    <a:pt x="117311" y="2449303"/>
-                  </a:lnTo>
-                  <a:lnTo>
-                    <a:pt x="140018" y="2506270"/>
-                  </a:lnTo>
-                  <a:lnTo>
-                    <a:pt x="164644" y="2562434"/>
-                  </a:lnTo>
-                  <a:lnTo>
-                    <a:pt x="191160" y="2617731"/>
-                  </a:lnTo>
-                  <a:lnTo>
-                    <a:pt x="219536" y="2672097"/>
-                  </a:lnTo>
-                  <a:lnTo>
-                    <a:pt x="249738" y="2725469"/>
-                  </a:lnTo>
-                  <a:lnTo>
-                    <a:pt x="281734" y="2777787"/>
-                  </a:lnTo>
-                  <a:lnTo>
-                    <a:pt x="315484" y="2828990"/>
-                  </a:lnTo>
-                  <a:lnTo>
-                    <a:pt x="350952" y="2879019"/>
-                  </a:lnTo>
-                  <a:lnTo>
-                    <a:pt x="388095" y="2927816"/>
-                  </a:lnTo>
-                  <a:lnTo>
-                    <a:pt x="426872" y="2975326"/>
-                  </a:lnTo>
-                  <a:lnTo>
-                    <a:pt x="467238" y="3021494"/>
-                  </a:lnTo>
-                  <a:lnTo>
-                    <a:pt x="509146" y="3066266"/>
-                  </a:lnTo>
-                  <a:lnTo>
-                    <a:pt x="552547" y="3109592"/>
-                  </a:lnTo>
-                  <a:lnTo>
-                    <a:pt x="597393" y="3151421"/>
-                  </a:lnTo>
-                  <a:lnTo>
-                    <a:pt x="643632" y="3191705"/>
-                  </a:lnTo>
-                  <a:lnTo>
-                    <a:pt x="691210" y="3230398"/>
-                  </a:lnTo>
-                  <a:lnTo>
-                    <a:pt x="740072" y="3267456"/>
-                  </a:lnTo>
-                  <a:lnTo>
-                    <a:pt x="790164" y="3302836"/>
-                  </a:lnTo>
-                  <a:lnTo>
-                    <a:pt x="841425" y="3336497"/>
-                  </a:lnTo>
-                  <a:lnTo>
-                    <a:pt x="893799" y="3368400"/>
-                  </a:lnTo>
-                  <a:lnTo>
-                    <a:pt x="947225" y="3398509"/>
-                  </a:lnTo>
-                  <a:lnTo>
-                    <a:pt x="1001640" y="3426789"/>
-                  </a:lnTo>
-                  <a:lnTo>
-                    <a:pt x="1056984" y="3453208"/>
-                  </a:lnTo>
-                  <a:lnTo>
-                    <a:pt x="1113191" y="3477735"/>
-                  </a:lnTo>
-                  <a:lnTo>
-                    <a:pt x="1170198" y="3500342"/>
-                  </a:lnTo>
-                  <a:lnTo>
-                    <a:pt x="1227938" y="3521003"/>
-                  </a:lnTo>
-                  <a:lnTo>
-                    <a:pt x="1286346" y="3539694"/>
-                  </a:lnTo>
-                  <a:lnTo>
-                    <a:pt x="1345354" y="3556394"/>
-                  </a:lnTo>
-                  <a:lnTo>
-                    <a:pt x="1404894" y="3571083"/>
-                  </a:lnTo>
-                  <a:lnTo>
-                    <a:pt x="1464898" y="3583746"/>
-                  </a:lnTo>
-                  <a:lnTo>
-                    <a:pt x="1525297" y="3594366"/>
-                  </a:lnTo>
-                  <a:lnTo>
-                    <a:pt x="1586022" y="3602932"/>
-                  </a:lnTo>
-                  <a:lnTo>
-                    <a:pt x="1647002" y="3609434"/>
-                  </a:lnTo>
-                  <a:lnTo>
-                    <a:pt x="1708167" y="3613865"/>
-                  </a:lnTo>
-                  <a:lnTo>
-                    <a:pt x="1769448" y="3616219"/>
-                  </a:lnTo>
-                  <a:lnTo>
-                    <a:pt x="1830773" y="3616494"/>
-                  </a:lnTo>
-                  <a:lnTo>
-                    <a:pt x="1892072" y="3614689"/>
-                  </a:lnTo>
-                  <a:lnTo>
-                    <a:pt x="1953274" y="3610807"/>
-                  </a:lnTo>
-                  <a:lnTo>
-                    <a:pt x="2014310" y="3604851"/>
-                  </a:lnTo>
-                  <a:lnTo>
-                    <a:pt x="2075109" y="3596830"/>
-                  </a:lnTo>
-                  <a:lnTo>
-                    <a:pt x="2135601" y="3586751"/>
-                  </a:lnTo>
-                  <a:lnTo>
-                    <a:pt x="2195716" y="3574628"/>
-                  </a:lnTo>
-                  <a:lnTo>
-                    <a:pt x="2255386" y="3560472"/>
-                  </a:lnTo>
-                  <a:lnTo>
-                    <a:pt x="2314541" y="3544302"/>
-                  </a:lnTo>
-                  <a:lnTo>
-                    <a:pt x="2373114" y="3526135"/>
-                  </a:lnTo>
-                  <a:lnTo>
-                    <a:pt x="2431037" y="3505992"/>
-                  </a:lnTo>
-                  <a:lnTo>
-                    <a:pt x="2488244" y="3483897"/>
-                  </a:lnTo>
-                  <a:lnTo>
-                    <a:pt x="2544669" y="3459875"/>
-                  </a:lnTo>
-                  <a:lnTo>
-                    <a:pt x="2600247" y="3433954"/>
-                  </a:lnTo>
-                  <a:lnTo>
-                    <a:pt x="2654914" y="3406162"/>
-                  </a:lnTo>
-                  <a:lnTo>
-                    <a:pt x="2708607" y="3376533"/>
-                  </a:lnTo>
-                  <a:lnTo>
-                    <a:pt x="2761265" y="3345101"/>
-                  </a:lnTo>
-                  <a:lnTo>
-                    <a:pt x="2812826" y="3311901"/>
-                  </a:lnTo>
-                  <a:lnTo>
-                    <a:pt x="2863232" y="3276971"/>
-                  </a:lnTo>
-                  <a:lnTo>
-                    <a:pt x="2912425" y="3240353"/>
-                  </a:lnTo>
-                  <a:lnTo>
-                    <a:pt x="2960348" y="3202088"/>
-                  </a:lnTo>
-                  <a:lnTo>
-                    <a:pt x="3006946" y="3162219"/>
-                  </a:lnTo>
-                  <a:lnTo>
-                    <a:pt x="3052165" y="3120794"/>
-                  </a:lnTo>
-                  <a:lnTo>
-                    <a:pt x="3095953" y="3077859"/>
-                  </a:lnTo>
-                  <a:lnTo>
-                    <a:pt x="3138261" y="3033464"/>
-                  </a:lnTo>
-                  <a:lnTo>
-                    <a:pt x="3179038" y="2987660"/>
-                  </a:lnTo>
-                  <a:lnTo>
-                    <a:pt x="3218239" y="2940500"/>
-                  </a:lnTo>
-                  <a:lnTo>
-                    <a:pt x="3255819" y="2892037"/>
-                  </a:lnTo>
-                  <a:lnTo>
-                    <a:pt x="3291733" y="2842328"/>
-                  </a:lnTo>
-                  <a:lnTo>
-                    <a:pt x="3325942" y="2791430"/>
-                  </a:lnTo>
-                  <a:lnTo>
-                    <a:pt x="3358405" y="2739401"/>
-                  </a:lnTo>
-                  <a:lnTo>
-                    <a:pt x="3389085" y="2686302"/>
-                  </a:lnTo>
-                  <a:lnTo>
-                    <a:pt x="3417946" y="2632192"/>
-                  </a:lnTo>
-                  <a:lnTo>
-                    <a:pt x="3444957" y="2577135"/>
-                  </a:lnTo>
-                  <a:lnTo>
-                    <a:pt x="3470085" y="2521194"/>
-                  </a:lnTo>
-                  <a:lnTo>
-                    <a:pt x="3493302" y="2464433"/>
-                  </a:lnTo>
-                  <a:lnTo>
-                    <a:pt x="3514580" y="2406917"/>
-                  </a:lnTo>
-                  <a:lnTo>
-                    <a:pt x="3533897" y="2348713"/>
-                  </a:lnTo>
-                  <a:lnTo>
-                    <a:pt x="3551228" y="2289888"/>
-                  </a:lnTo>
-                  <a:lnTo>
-                    <a:pt x="3566555" y="2230508"/>
-                  </a:lnTo>
-                  <a:lnTo>
-                    <a:pt x="3579860" y="2170643"/>
-                  </a:lnTo>
-                  <a:lnTo>
-                    <a:pt x="3591127" y="2110361"/>
-                  </a:lnTo>
-                  <a:lnTo>
-                    <a:pt x="3600343" y="2049732"/>
-                  </a:lnTo>
-                  <a:lnTo>
-                    <a:pt x="3607499" y="1988826"/>
-                  </a:lnTo>
-                  <a:lnTo>
-                    <a:pt x="3612585" y="1927711"/>
-                  </a:lnTo>
-                  <a:lnTo>
-                    <a:pt x="3615596" y="1866460"/>
-                  </a:lnTo>
-                  <a:lnTo>
-                    <a:pt x="3616528" y="1805141"/>
-                  </a:lnTo>
-                  <a:lnTo>
-                    <a:pt x="3615380" y="1743826"/>
-                  </a:lnTo>
-                  <a:lnTo>
-                    <a:pt x="3612154" y="1682585"/>
-                  </a:lnTo>
-                  <a:lnTo>
-                    <a:pt x="3606853" y="1621489"/>
-                  </a:lnTo>
-                  <a:lnTo>
-                    <a:pt x="3599484" y="1560608"/>
-                  </a:lnTo>
-                  <a:lnTo>
-                    <a:pt x="3590055" y="1500012"/>
-                  </a:lnTo>
-                  <a:lnTo>
-                    <a:pt x="3578576" y="1439770"/>
-                  </a:lnTo>
-                  <a:lnTo>
-                    <a:pt x="3565061" y="1379952"/>
-                  </a:lnTo>
-                  <a:lnTo>
-                    <a:pt x="3549526" y="1320627"/>
-                  </a:lnTo>
-                  <a:lnTo>
-                    <a:pt x="3531988" y="1261862"/>
-                  </a:lnTo>
-                  <a:lnTo>
-                    <a:pt x="3472547" y="1280706"/>
-                  </a:lnTo>
-                  <a:lnTo>
-                    <a:pt x="3413107" y="1299549"/>
-                  </a:lnTo>
-                  <a:lnTo>
-                    <a:pt x="3353666" y="1318392"/>
-                  </a:lnTo>
-                  <a:lnTo>
-                    <a:pt x="3294226" y="1337235"/>
-                  </a:lnTo>
-                  <a:lnTo>
-                    <a:pt x="3234785" y="1356079"/>
-                  </a:lnTo>
-                  <a:lnTo>
-                    <a:pt x="3175345" y="1374922"/>
-                  </a:lnTo>
-                  <a:lnTo>
-                    <a:pt x="3115904" y="1393765"/>
-                  </a:lnTo>
-                  <a:lnTo>
-                    <a:pt x="3056464" y="1412608"/>
-                  </a:lnTo>
-                  <a:lnTo>
-                    <a:pt x="2997023" y="1431452"/>
-                  </a:lnTo>
-                  <a:lnTo>
-                    <a:pt x="2937583" y="1450295"/>
-                  </a:lnTo>
-                  <a:lnTo>
-                    <a:pt x="2878142" y="1469138"/>
-                  </a:lnTo>
-                  <a:lnTo>
-                    <a:pt x="2818702" y="1487981"/>
-                  </a:lnTo>
-                  <a:lnTo>
-                    <a:pt x="2759261" y="1506825"/>
-                  </a:lnTo>
-                  <a:lnTo>
-                    <a:pt x="2699821" y="1525668"/>
-                  </a:lnTo>
-                  <a:lnTo>
-                    <a:pt x="2640380" y="1544511"/>
-                  </a:lnTo>
-                  <a:lnTo>
-                    <a:pt x="2580940" y="1563355"/>
-                  </a:lnTo>
-                  <a:lnTo>
-                    <a:pt x="2521499" y="1582198"/>
-                  </a:lnTo>
-                  <a:lnTo>
-                    <a:pt x="2462059" y="1601041"/>
-                  </a:lnTo>
-                  <a:lnTo>
-                    <a:pt x="2402618" y="1619884"/>
-                  </a:lnTo>
-                  <a:lnTo>
-                    <a:pt x="2343178" y="1638728"/>
-                  </a:lnTo>
-                  <a:lnTo>
-                    <a:pt x="2283737" y="1657571"/>
-                  </a:lnTo>
-                  <a:lnTo>
-                    <a:pt x="2224297" y="1676414"/>
-                  </a:lnTo>
-                  <a:lnTo>
-                    <a:pt x="2164856" y="1695257"/>
-                  </a:lnTo>
-                  <a:lnTo>
-                    <a:pt x="2105416" y="1714101"/>
-                  </a:lnTo>
-                  <a:lnTo>
-                    <a:pt x="2045975" y="1732944"/>
-                  </a:lnTo>
-                  <a:lnTo>
-                    <a:pt x="1986535" y="1751787"/>
-                  </a:lnTo>
-                  <a:lnTo>
-                    <a:pt x="1927094" y="1770630"/>
-                  </a:lnTo>
-                  <a:lnTo>
-                    <a:pt x="1867654" y="1789474"/>
+                    <a:pt x="1808269" y="1745961"/>
+                  </a:lnTo>
+                  <a:lnTo>
+                    <a:pt x="1808269" y="1683605"/>
+                  </a:lnTo>
+                  <a:lnTo>
+                    <a:pt x="1808269" y="1621250"/>
+                  </a:lnTo>
+                  <a:lnTo>
+                    <a:pt x="1808269" y="1558894"/>
+                  </a:lnTo>
+                  <a:lnTo>
+                    <a:pt x="1808269" y="1496538"/>
+                  </a:lnTo>
+                  <a:lnTo>
+                    <a:pt x="1808269" y="1434182"/>
+                  </a:lnTo>
+                  <a:lnTo>
+                    <a:pt x="1808269" y="1371827"/>
+                  </a:lnTo>
+                  <a:lnTo>
+                    <a:pt x="1808269" y="1309471"/>
+                  </a:lnTo>
+                  <a:lnTo>
+                    <a:pt x="1808269" y="1247115"/>
+                  </a:lnTo>
+                  <a:lnTo>
+                    <a:pt x="1808269" y="1184759"/>
+                  </a:lnTo>
+                  <a:lnTo>
+                    <a:pt x="1808269" y="1122403"/>
+                  </a:lnTo>
+                  <a:lnTo>
+                    <a:pt x="1808269" y="1060048"/>
+                  </a:lnTo>
+                  <a:lnTo>
+                    <a:pt x="1808269" y="997692"/>
+                  </a:lnTo>
+                  <a:lnTo>
+                    <a:pt x="1808269" y="935336"/>
+                  </a:lnTo>
+                  <a:lnTo>
+                    <a:pt x="1808269" y="872980"/>
+                  </a:lnTo>
+                  <a:lnTo>
+                    <a:pt x="1808269" y="810625"/>
+                  </a:lnTo>
+                  <a:lnTo>
+                    <a:pt x="1808269" y="748269"/>
+                  </a:lnTo>
+                  <a:lnTo>
+                    <a:pt x="1808269" y="685913"/>
+                  </a:lnTo>
+                  <a:lnTo>
+                    <a:pt x="1808269" y="623557"/>
+                  </a:lnTo>
+                  <a:lnTo>
+                    <a:pt x="1808269" y="561201"/>
+                  </a:lnTo>
+                  <a:lnTo>
+                    <a:pt x="1808269" y="498846"/>
+                  </a:lnTo>
+                  <a:lnTo>
+                    <a:pt x="1808269" y="436490"/>
+                  </a:lnTo>
+                  <a:lnTo>
+                    <a:pt x="1808269" y="374134"/>
+                  </a:lnTo>
+                  <a:lnTo>
+                    <a:pt x="1808269" y="311778"/>
+                  </a:lnTo>
+                  <a:lnTo>
+                    <a:pt x="1808269" y="249423"/>
+                  </a:lnTo>
+                  <a:lnTo>
+                    <a:pt x="1808269" y="187067"/>
+                  </a:lnTo>
+                  <a:lnTo>
+                    <a:pt x="1808269" y="124711"/>
+                  </a:lnTo>
+                  <a:lnTo>
+                    <a:pt x="1808269" y="62355"/>
+                  </a:lnTo>
+                  <a:lnTo>
+                    <a:pt x="1808269" y="0"/>
+                  </a:lnTo>
+                  <a:lnTo>
+                    <a:pt x="1746817" y="1044"/>
+                  </a:lnTo>
+                  <a:lnTo>
+                    <a:pt x="1685435" y="4176"/>
+                  </a:lnTo>
+                  <a:lnTo>
+                    <a:pt x="1624195" y="9393"/>
+                  </a:lnTo>
+                  <a:lnTo>
+                    <a:pt x="1563168" y="16687"/>
+                  </a:lnTo>
+                  <a:lnTo>
+                    <a:pt x="1502424" y="26051"/>
+                  </a:lnTo>
+                  <a:lnTo>
+                    <a:pt x="1442033" y="37474"/>
+                  </a:lnTo>
+                  <a:lnTo>
+                    <a:pt x="1382066" y="50943"/>
+                  </a:lnTo>
+                  <a:lnTo>
+                    <a:pt x="1322590" y="66442"/>
+                  </a:lnTo>
+                  <a:lnTo>
+                    <a:pt x="1263676" y="83953"/>
+                  </a:lnTo>
+                  <a:lnTo>
+                    <a:pt x="1205391" y="103456"/>
+                  </a:lnTo>
+                  <a:lnTo>
+                    <a:pt x="1147802" y="124929"/>
+                  </a:lnTo>
+                  <a:lnTo>
+                    <a:pt x="1090977" y="148346"/>
+                  </a:lnTo>
+                  <a:lnTo>
+                    <a:pt x="1034980" y="173681"/>
+                  </a:lnTo>
+                  <a:lnTo>
+                    <a:pt x="979876" y="200904"/>
+                  </a:lnTo>
+                  <a:lnTo>
+                    <a:pt x="925729" y="229984"/>
+                  </a:lnTo>
+                  <a:lnTo>
+                    <a:pt x="872602" y="260887"/>
+                  </a:lnTo>
+                  <a:lnTo>
+                    <a:pt x="820555" y="293578"/>
+                  </a:lnTo>
+                  <a:lnTo>
+                    <a:pt x="769650" y="328019"/>
+                  </a:lnTo>
+                  <a:lnTo>
+                    <a:pt x="719944" y="364170"/>
+                  </a:lnTo>
+                  <a:lnTo>
+                    <a:pt x="671496" y="401989"/>
+                  </a:lnTo>
+                  <a:lnTo>
+                    <a:pt x="624361" y="441432"/>
+                  </a:lnTo>
+                  <a:lnTo>
+                    <a:pt x="578594" y="482455"/>
+                  </a:lnTo>
+                  <a:lnTo>
+                    <a:pt x="534247" y="525009"/>
+                  </a:lnTo>
+                  <a:lnTo>
+                    <a:pt x="491371" y="569046"/>
+                  </a:lnTo>
+                  <a:lnTo>
+                    <a:pt x="450017" y="614515"/>
+                  </a:lnTo>
+                  <a:lnTo>
+                    <a:pt x="410233" y="661362"/>
+                  </a:lnTo>
+                  <a:lnTo>
+                    <a:pt x="372063" y="709535"/>
+                  </a:lnTo>
+                  <a:lnTo>
+                    <a:pt x="335552" y="758976"/>
+                  </a:lnTo>
+                  <a:lnTo>
+                    <a:pt x="300742" y="809630"/>
+                  </a:lnTo>
+                  <a:lnTo>
+                    <a:pt x="267675" y="861438"/>
+                  </a:lnTo>
+                  <a:lnTo>
+                    <a:pt x="236386" y="914339"/>
+                  </a:lnTo>
+                  <a:lnTo>
+                    <a:pt x="206914" y="968274"/>
+                  </a:lnTo>
+                  <a:lnTo>
+                    <a:pt x="179291" y="1023178"/>
+                  </a:lnTo>
+                  <a:lnTo>
+                    <a:pt x="153551" y="1078990"/>
+                  </a:lnTo>
+                  <a:lnTo>
+                    <a:pt x="129721" y="1135644"/>
+                  </a:lnTo>
+                  <a:lnTo>
+                    <a:pt x="107831" y="1193075"/>
+                  </a:lnTo>
+                  <a:lnTo>
+                    <a:pt x="87905" y="1251217"/>
+                  </a:lnTo>
+                  <a:lnTo>
+                    <a:pt x="69967" y="1310003"/>
+                  </a:lnTo>
+                  <a:lnTo>
+                    <a:pt x="54037" y="1369364"/>
+                  </a:lnTo>
+                  <a:lnTo>
+                    <a:pt x="40133" y="1429232"/>
+                  </a:lnTo>
+                  <a:lnTo>
+                    <a:pt x="28271" y="1489538"/>
+                  </a:lnTo>
+                  <a:lnTo>
+                    <a:pt x="18466" y="1550213"/>
+                  </a:lnTo>
+                  <a:lnTo>
+                    <a:pt x="10729" y="1611185"/>
+                  </a:lnTo>
+                  <a:lnTo>
+                    <a:pt x="5068" y="1672386"/>
+                  </a:lnTo>
+                  <a:lnTo>
+                    <a:pt x="1490" y="1733743"/>
+                  </a:lnTo>
+                  <a:lnTo>
+                    <a:pt x="0" y="1795186"/>
+                  </a:lnTo>
+                  <a:lnTo>
+                    <a:pt x="598" y="1856645"/>
+                  </a:lnTo>
+                  <a:lnTo>
+                    <a:pt x="3284" y="1918048"/>
+                  </a:lnTo>
+                  <a:lnTo>
+                    <a:pt x="8056" y="1979324"/>
+                  </a:lnTo>
+                  <a:lnTo>
+                    <a:pt x="14907" y="2040402"/>
+                  </a:lnTo>
+                  <a:lnTo>
+                    <a:pt x="23830" y="2101213"/>
+                  </a:lnTo>
+                  <a:lnTo>
+                    <a:pt x="34814" y="2161685"/>
+                  </a:lnTo>
+                  <a:lnTo>
+                    <a:pt x="47847" y="2221749"/>
+                  </a:lnTo>
+                  <a:lnTo>
+                    <a:pt x="62914" y="2281335"/>
+                  </a:lnTo>
+                  <a:lnTo>
+                    <a:pt x="79997" y="2340375"/>
+                  </a:lnTo>
+                  <a:lnTo>
+                    <a:pt x="99076" y="2398800"/>
+                  </a:lnTo>
+                  <a:lnTo>
+                    <a:pt x="120130" y="2456543"/>
+                  </a:lnTo>
+                  <a:lnTo>
+                    <a:pt x="143134" y="2513537"/>
+                  </a:lnTo>
+                  <a:lnTo>
+                    <a:pt x="168061" y="2569717"/>
+                  </a:lnTo>
+                  <a:lnTo>
+                    <a:pt x="194884" y="2625017"/>
+                  </a:lnTo>
+                  <a:lnTo>
+                    <a:pt x="223570" y="2679373"/>
+                  </a:lnTo>
+                  <a:lnTo>
+                    <a:pt x="254086" y="2732723"/>
+                  </a:lnTo>
+                  <a:lnTo>
+                    <a:pt x="286398" y="2785006"/>
+                  </a:lnTo>
+                  <a:lnTo>
+                    <a:pt x="320469" y="2836160"/>
+                  </a:lnTo>
+                  <a:lnTo>
+                    <a:pt x="356258" y="2886127"/>
+                  </a:lnTo>
+                  <a:lnTo>
+                    <a:pt x="393724" y="2934848"/>
+                  </a:lnTo>
+                  <a:lnTo>
+                    <a:pt x="432824" y="2982269"/>
+                  </a:lnTo>
+                  <a:lnTo>
+                    <a:pt x="473513" y="3028333"/>
+                  </a:lnTo>
+                  <a:lnTo>
+                    <a:pt x="515745" y="3072988"/>
+                  </a:lnTo>
+                  <a:lnTo>
+                    <a:pt x="559469" y="3116182"/>
+                  </a:lnTo>
+                  <a:lnTo>
+                    <a:pt x="604636" y="3157865"/>
+                  </a:lnTo>
+                  <a:lnTo>
+                    <a:pt x="651193" y="3197989"/>
+                  </a:lnTo>
+                  <a:lnTo>
+                    <a:pt x="699087" y="3236507"/>
+                  </a:lnTo>
+                  <a:lnTo>
+                    <a:pt x="748263" y="3273376"/>
+                  </a:lnTo>
+                  <a:lnTo>
+                    <a:pt x="798663" y="3308552"/>
+                  </a:lnTo>
+                  <a:lnTo>
+                    <a:pt x="850229" y="3341996"/>
+                  </a:lnTo>
+                  <a:lnTo>
+                    <a:pt x="902902" y="3373667"/>
+                  </a:lnTo>
+                  <a:lnTo>
+                    <a:pt x="956620" y="3403530"/>
+                  </a:lnTo>
+                  <a:lnTo>
+                    <a:pt x="1011323" y="3431551"/>
+                  </a:lnTo>
+                  <a:lnTo>
+                    <a:pt x="1066946" y="3457696"/>
+                  </a:lnTo>
+                  <a:lnTo>
+                    <a:pt x="1123426" y="3481936"/>
+                  </a:lnTo>
+                  <a:lnTo>
+                    <a:pt x="1180697" y="3504243"/>
+                  </a:lnTo>
+                  <a:lnTo>
+                    <a:pt x="1238692" y="3524590"/>
+                  </a:lnTo>
+                  <a:lnTo>
+                    <a:pt x="1297346" y="3542955"/>
+                  </a:lnTo>
+                  <a:lnTo>
+                    <a:pt x="1356590" y="3559316"/>
+                  </a:lnTo>
+                  <a:lnTo>
+                    <a:pt x="1416356" y="3573654"/>
+                  </a:lnTo>
+                  <a:lnTo>
+                    <a:pt x="1476574" y="3585953"/>
+                  </a:lnTo>
+                  <a:lnTo>
+                    <a:pt x="1537176" y="3596198"/>
+                  </a:lnTo>
+                  <a:lnTo>
+                    <a:pt x="1598090" y="3604378"/>
+                  </a:lnTo>
+                  <a:lnTo>
+                    <a:pt x="1659248" y="3610484"/>
+                  </a:lnTo>
+                  <a:lnTo>
+                    <a:pt x="1720578" y="3614507"/>
+                  </a:lnTo>
+                  <a:lnTo>
+                    <a:pt x="1782009" y="3616444"/>
+                  </a:lnTo>
+                  <a:lnTo>
+                    <a:pt x="1843470" y="3616292"/>
+                  </a:lnTo>
+                  <a:lnTo>
+                    <a:pt x="1904891" y="3614051"/>
+                  </a:lnTo>
+                  <a:lnTo>
+                    <a:pt x="1966200" y="3609725"/>
+                  </a:lnTo>
+                  <a:lnTo>
+                    <a:pt x="2027327" y="3603317"/>
+                  </a:lnTo>
+                  <a:lnTo>
+                    <a:pt x="2088200" y="3594836"/>
+                  </a:lnTo>
+                  <a:lnTo>
+                    <a:pt x="2148750" y="3584291"/>
+                  </a:lnTo>
+                  <a:lnTo>
+                    <a:pt x="2208907" y="3571695"/>
+                  </a:lnTo>
+                  <a:lnTo>
+                    <a:pt x="2268601" y="3557061"/>
+                  </a:lnTo>
+                  <a:lnTo>
+                    <a:pt x="2327764" y="3540407"/>
+                  </a:lnTo>
+                  <a:lnTo>
+                    <a:pt x="2386326" y="3521753"/>
+                  </a:lnTo>
+                  <a:lnTo>
+                    <a:pt x="2444220" y="3501119"/>
+                  </a:lnTo>
+                  <a:lnTo>
+                    <a:pt x="2501380" y="3478529"/>
+                  </a:lnTo>
+                  <a:lnTo>
+                    <a:pt x="2557739" y="3454010"/>
+                  </a:lnTo>
+                  <a:lnTo>
+                    <a:pt x="2613232" y="3427590"/>
+                  </a:lnTo>
+                  <a:lnTo>
+                    <a:pt x="2667796" y="3399300"/>
+                  </a:lnTo>
+                  <a:lnTo>
+                    <a:pt x="2721366" y="3369171"/>
+                  </a:lnTo>
+                  <a:lnTo>
+                    <a:pt x="2773882" y="3337240"/>
+                  </a:lnTo>
+                  <a:lnTo>
+                    <a:pt x="2825282" y="3303542"/>
+                  </a:lnTo>
+                  <a:lnTo>
+                    <a:pt x="2875507" y="3268117"/>
+                  </a:lnTo>
+                  <a:lnTo>
+                    <a:pt x="2924500" y="3231005"/>
+                  </a:lnTo>
+                  <a:lnTo>
+                    <a:pt x="2972203" y="3192250"/>
+                  </a:lnTo>
+                  <a:lnTo>
+                    <a:pt x="3018561" y="3151896"/>
+                  </a:lnTo>
+                  <a:lnTo>
+                    <a:pt x="3063521" y="3109991"/>
+                  </a:lnTo>
+                  <a:lnTo>
+                    <a:pt x="3107032" y="3066581"/>
+                  </a:lnTo>
+                  <a:lnTo>
+                    <a:pt x="3149041" y="3021718"/>
+                  </a:lnTo>
+                  <a:lnTo>
+                    <a:pt x="3189502" y="2975453"/>
+                  </a:lnTo>
+                  <a:lnTo>
+                    <a:pt x="3228368" y="2927840"/>
+                  </a:lnTo>
+                  <a:lnTo>
+                    <a:pt x="3265593" y="2878934"/>
+                  </a:lnTo>
+                  <a:lnTo>
+                    <a:pt x="3301134" y="2828791"/>
+                  </a:lnTo>
+                  <a:lnTo>
+                    <a:pt x="3334951" y="2777469"/>
+                  </a:lnTo>
+                  <a:lnTo>
+                    <a:pt x="3367004" y="2725027"/>
+                  </a:lnTo>
+                  <a:lnTo>
+                    <a:pt x="3397257" y="2671527"/>
+                  </a:lnTo>
+                  <a:lnTo>
+                    <a:pt x="3425674" y="2617029"/>
+                  </a:lnTo>
+                  <a:lnTo>
+                    <a:pt x="3452222" y="2561597"/>
+                  </a:lnTo>
+                  <a:lnTo>
+                    <a:pt x="3476872" y="2505295"/>
+                  </a:lnTo>
+                  <a:lnTo>
+                    <a:pt x="3499593" y="2448188"/>
+                  </a:lnTo>
+                  <a:lnTo>
+                    <a:pt x="3520362" y="2390341"/>
+                  </a:lnTo>
+                  <a:lnTo>
+                    <a:pt x="3539152" y="2331822"/>
+                  </a:lnTo>
+                  <a:lnTo>
+                    <a:pt x="3555942" y="2272699"/>
+                  </a:lnTo>
+                  <a:lnTo>
+                    <a:pt x="3570714" y="2213039"/>
+                  </a:lnTo>
+                  <a:lnTo>
+                    <a:pt x="3583450" y="2152911"/>
+                  </a:lnTo>
+                  <a:lnTo>
+                    <a:pt x="3594135" y="2092386"/>
+                  </a:lnTo>
+                  <a:lnTo>
+                    <a:pt x="3602757" y="2031532"/>
+                  </a:lnTo>
+                  <a:lnTo>
+                    <a:pt x="3609306" y="1970420"/>
+                  </a:lnTo>
+                  <a:lnTo>
+                    <a:pt x="3613775" y="1909121"/>
+                  </a:lnTo>
+                  <a:lnTo>
+                    <a:pt x="3616158" y="1847706"/>
+                  </a:lnTo>
+                  <a:lnTo>
+                    <a:pt x="3616452" y="1786245"/>
+                  </a:lnTo>
+                  <a:lnTo>
+                    <a:pt x="3614658" y="1724810"/>
+                  </a:lnTo>
+                  <a:lnTo>
+                    <a:pt x="3610776" y="1663471"/>
+                  </a:lnTo>
+                  <a:lnTo>
+                    <a:pt x="3604813" y="1602299"/>
+                  </a:lnTo>
+                  <a:lnTo>
+                    <a:pt x="3596774" y="1541366"/>
+                  </a:lnTo>
+                  <a:lnTo>
+                    <a:pt x="3586669" y="1480740"/>
+                  </a:lnTo>
+                  <a:lnTo>
+                    <a:pt x="3574510" y="1420494"/>
+                  </a:lnTo>
+                  <a:lnTo>
+                    <a:pt x="3560310" y="1360695"/>
+                  </a:lnTo>
+                  <a:lnTo>
+                    <a:pt x="3544086" y="1301413"/>
+                  </a:lnTo>
+                  <a:lnTo>
+                    <a:pt x="3525857" y="1242717"/>
+                  </a:lnTo>
+                  <a:lnTo>
+                    <a:pt x="3466630" y="1262221"/>
+                  </a:lnTo>
+                  <a:lnTo>
+                    <a:pt x="3407403" y="1281724"/>
+                  </a:lnTo>
+                  <a:lnTo>
+                    <a:pt x="3348176" y="1301228"/>
+                  </a:lnTo>
+                  <a:lnTo>
+                    <a:pt x="3288949" y="1320731"/>
+                  </a:lnTo>
+                  <a:lnTo>
+                    <a:pt x="3229721" y="1340234"/>
+                  </a:lnTo>
+                  <a:lnTo>
+                    <a:pt x="3170494" y="1359738"/>
+                  </a:lnTo>
+                  <a:lnTo>
+                    <a:pt x="3111267" y="1379241"/>
+                  </a:lnTo>
+                  <a:lnTo>
+                    <a:pt x="3052040" y="1398745"/>
+                  </a:lnTo>
+                  <a:lnTo>
+                    <a:pt x="2992813" y="1418248"/>
+                  </a:lnTo>
+                  <a:lnTo>
+                    <a:pt x="2933586" y="1437752"/>
+                  </a:lnTo>
+                  <a:lnTo>
+                    <a:pt x="2874358" y="1457255"/>
+                  </a:lnTo>
+                  <a:lnTo>
+                    <a:pt x="2815131" y="1476758"/>
+                  </a:lnTo>
+                  <a:lnTo>
+                    <a:pt x="2755904" y="1496262"/>
+                  </a:lnTo>
+                  <a:lnTo>
+                    <a:pt x="2696677" y="1515765"/>
+                  </a:lnTo>
+                  <a:lnTo>
+                    <a:pt x="2637450" y="1535269"/>
+                  </a:lnTo>
+                  <a:lnTo>
+                    <a:pt x="2578223" y="1554772"/>
+                  </a:lnTo>
+                  <a:lnTo>
+                    <a:pt x="2518995" y="1574276"/>
+                  </a:lnTo>
+                  <a:lnTo>
+                    <a:pt x="2459768" y="1593779"/>
+                  </a:lnTo>
+                  <a:lnTo>
+                    <a:pt x="2400541" y="1613283"/>
+                  </a:lnTo>
+                  <a:lnTo>
+                    <a:pt x="2341314" y="1632786"/>
+                  </a:lnTo>
+                  <a:lnTo>
+                    <a:pt x="2282087" y="1652289"/>
+                  </a:lnTo>
+                  <a:lnTo>
+                    <a:pt x="2222860" y="1671793"/>
+                  </a:lnTo>
+                  <a:lnTo>
+                    <a:pt x="2163632" y="1691296"/>
+                  </a:lnTo>
+                  <a:lnTo>
+                    <a:pt x="2104405" y="1710800"/>
+                  </a:lnTo>
+                  <a:lnTo>
+                    <a:pt x="2045178" y="1730303"/>
+                  </a:lnTo>
+                  <a:lnTo>
+                    <a:pt x="1985951" y="1749807"/>
+                  </a:lnTo>
+                  <a:lnTo>
+                    <a:pt x="1926724" y="1769310"/>
+                  </a:lnTo>
+                  <a:lnTo>
+                    <a:pt x="1867496" y="1788814"/>
                   </a:lnTo>
                   <a:close/>
                 </a:path>
@@ -4351,7 +4351,7 @@
           </p:nvSpPr>
           <p:spPr>
             <a:xfrm>
-              <a:off x="4701388" y="2817778"/>
+              <a:off x="4701291" y="2817771"/>
               <a:ext cx="208905" cy="109040"/>
             </a:xfrm>
             <a:prstGeom prst="rect">
@@ -4397,7 +4397,7 @@
           </p:nvSpPr>
           <p:spPr>
             <a:xfrm>
-              <a:off x="5122996" y="3025510"/>
+              <a:off x="5119047" y="3022239"/>
               <a:ext cx="409835" cy="109040"/>
             </a:xfrm>
             <a:prstGeom prst="rect">
@@ -4430,7 +4430,7 @@
                   <a:latin typeface="Arial"/>
                   <a:cs typeface="Arial"/>
                 </a:rPr>
-                <a:t>18.1%</a:t>
+                <a:t>17.9%</a:t>
               </a:r>
             </a:p>
           </p:txBody>
@@ -4443,7 +4443,7 @@
           </p:nvSpPr>
           <p:spPr>
             <a:xfrm>
-              <a:off x="4010161" y="4449727"/>
+              <a:off x="4014228" y="4452687"/>
               <a:ext cx="409835" cy="109040"/>
             </a:xfrm>
             <a:prstGeom prst="rect">
@@ -4476,7 +4476,7 @@
                   <a:latin typeface="Arial"/>
                   <a:cs typeface="Arial"/>
                 </a:rPr>
-                <a:t>79.9%</a:t>
+                <a:t>80.1%</a:t>
               </a:r>
             </a:p>
           </p:txBody>
@@ -4489,7 +4489,7 @@
           </p:nvSpPr>
           <p:spPr>
             <a:xfrm>
-              <a:off x="4699146" y="2814421"/>
+              <a:off x="4699048" y="2814415"/>
               <a:ext cx="208905" cy="109040"/>
             </a:xfrm>
             <a:prstGeom prst="rect">
@@ -4535,7 +4535,7 @@
           </p:nvSpPr>
           <p:spPr>
             <a:xfrm>
-              <a:off x="5120753" y="3022153"/>
+              <a:off x="5116804" y="3018882"/>
               <a:ext cx="409835" cy="109040"/>
             </a:xfrm>
             <a:prstGeom prst="rect">
@@ -4568,7 +4568,7 @@
                   <a:latin typeface="Arial"/>
                   <a:cs typeface="Arial"/>
                 </a:rPr>
-                <a:t>18.1%</a:t>
+                <a:t>17.9%</a:t>
               </a:r>
             </a:p>
           </p:txBody>
@@ -4581,7 +4581,7 @@
           </p:nvSpPr>
           <p:spPr>
             <a:xfrm>
-              <a:off x="4007918" y="4446370"/>
+              <a:off x="4011985" y="4449330"/>
               <a:ext cx="409835" cy="109040"/>
             </a:xfrm>
             <a:prstGeom prst="rect">
@@ -4614,7 +4614,7 @@
                   <a:latin typeface="Arial"/>
                   <a:cs typeface="Arial"/>
                 </a:rPr>
-                <a:t>79.9%</a:t>
+                <a:t>80.1%</a:t>
               </a:r>
             </a:p>
           </p:txBody>
@@ -4627,7 +4627,7 @@
           </p:nvSpPr>
           <p:spPr>
             <a:xfrm>
-              <a:off x="4695789" y="2812178"/>
+              <a:off x="4695691" y="2812172"/>
               <a:ext cx="208905" cy="109040"/>
             </a:xfrm>
             <a:prstGeom prst="rect">
@@ -4673,7 +4673,7 @@
           </p:nvSpPr>
           <p:spPr>
             <a:xfrm>
-              <a:off x="5117396" y="3019910"/>
+              <a:off x="5113447" y="3016639"/>
               <a:ext cx="409835" cy="109040"/>
             </a:xfrm>
             <a:prstGeom prst="rect">
@@ -4706,7 +4706,7 @@
                   <a:latin typeface="Arial"/>
                   <a:cs typeface="Arial"/>
                 </a:rPr>
-                <a:t>18.1%</a:t>
+                <a:t>17.9%</a:t>
               </a:r>
             </a:p>
           </p:txBody>
@@ -4719,7 +4719,7 @@
           </p:nvSpPr>
           <p:spPr>
             <a:xfrm>
-              <a:off x="4004562" y="4444127"/>
+              <a:off x="4008629" y="4447087"/>
               <a:ext cx="409835" cy="109040"/>
             </a:xfrm>
             <a:prstGeom prst="rect">
@@ -4752,7 +4752,7 @@
                   <a:latin typeface="Arial"/>
                   <a:cs typeface="Arial"/>
                 </a:rPr>
-                <a:t>79.9%</a:t>
+                <a:t>80.1%</a:t>
               </a:r>
             </a:p>
           </p:txBody>
@@ -4765,7 +4765,7 @@
           </p:nvSpPr>
           <p:spPr>
             <a:xfrm>
-              <a:off x="4691830" y="2811391"/>
+              <a:off x="4691732" y="2811384"/>
               <a:ext cx="208905" cy="109040"/>
             </a:xfrm>
             <a:prstGeom prst="rect">
@@ -4811,7 +4811,7 @@
           </p:nvSpPr>
           <p:spPr>
             <a:xfrm>
-              <a:off x="5113437" y="3019123"/>
+              <a:off x="5109488" y="3015852"/>
               <a:ext cx="409835" cy="109040"/>
             </a:xfrm>
             <a:prstGeom prst="rect">
@@ -4844,7 +4844,7 @@
                   <a:latin typeface="Arial"/>
                   <a:cs typeface="Arial"/>
                 </a:rPr>
-                <a:t>18.1%</a:t>
+                <a:t>17.9%</a:t>
               </a:r>
             </a:p>
           </p:txBody>
@@ -4857,7 +4857,7 @@
           </p:nvSpPr>
           <p:spPr>
             <a:xfrm>
-              <a:off x="4000602" y="4443340"/>
+              <a:off x="4004669" y="4446300"/>
               <a:ext cx="409835" cy="109040"/>
             </a:xfrm>
             <a:prstGeom prst="rect">
@@ -4890,7 +4890,7 @@
                   <a:latin typeface="Arial"/>
                   <a:cs typeface="Arial"/>
                 </a:rPr>
-                <a:t>79.9%</a:t>
+                <a:t>80.1%</a:t>
               </a:r>
             </a:p>
           </p:txBody>
@@ -4903,7 +4903,7 @@
           </p:nvSpPr>
           <p:spPr>
             <a:xfrm>
-              <a:off x="4687870" y="2812178"/>
+              <a:off x="4687773" y="2812172"/>
               <a:ext cx="208905" cy="109040"/>
             </a:xfrm>
             <a:prstGeom prst="rect">
@@ -4949,7 +4949,7 @@
           </p:nvSpPr>
           <p:spPr>
             <a:xfrm>
-              <a:off x="5109477" y="3019910"/>
+              <a:off x="5105529" y="3016639"/>
               <a:ext cx="409835" cy="109040"/>
             </a:xfrm>
             <a:prstGeom prst="rect">
@@ -4982,7 +4982,7 @@
                   <a:latin typeface="Arial"/>
                   <a:cs typeface="Arial"/>
                 </a:rPr>
-                <a:t>18.1%</a:t>
+                <a:t>17.9%</a:t>
               </a:r>
             </a:p>
           </p:txBody>
@@ -4995,7 +4995,7 @@
           </p:nvSpPr>
           <p:spPr>
             <a:xfrm>
-              <a:off x="3996643" y="4444127"/>
+              <a:off x="4000710" y="4447087"/>
               <a:ext cx="409835" cy="109040"/>
             </a:xfrm>
             <a:prstGeom prst="rect">
@@ -5028,7 +5028,7 @@
                   <a:latin typeface="Arial"/>
                   <a:cs typeface="Arial"/>
                 </a:rPr>
-                <a:t>79.9%</a:t>
+                <a:t>80.1%</a:t>
               </a:r>
             </a:p>
           </p:txBody>
@@ -5041,7 +5041,7 @@
           </p:nvSpPr>
           <p:spPr>
             <a:xfrm>
-              <a:off x="4684514" y="2814421"/>
+              <a:off x="4684416" y="2814415"/>
               <a:ext cx="208905" cy="109040"/>
             </a:xfrm>
             <a:prstGeom prst="rect">
@@ -5087,7 +5087,7 @@
           </p:nvSpPr>
           <p:spPr>
             <a:xfrm>
-              <a:off x="5106121" y="3022153"/>
+              <a:off x="5102172" y="3018882"/>
               <a:ext cx="409835" cy="109040"/>
             </a:xfrm>
             <a:prstGeom prst="rect">
@@ -5120,7 +5120,7 @@
                   <a:latin typeface="Arial"/>
                   <a:cs typeface="Arial"/>
                 </a:rPr>
-                <a:t>18.1%</a:t>
+                <a:t>17.9%</a:t>
               </a:r>
             </a:p>
           </p:txBody>
@@ -5133,7 +5133,7 @@
           </p:nvSpPr>
           <p:spPr>
             <a:xfrm>
-              <a:off x="3993286" y="4446370"/>
+              <a:off x="3997353" y="4449330"/>
               <a:ext cx="409835" cy="109040"/>
             </a:xfrm>
             <a:prstGeom prst="rect">
@@ -5166,7 +5166,7 @@
                   <a:latin typeface="Arial"/>
                   <a:cs typeface="Arial"/>
                 </a:rPr>
-                <a:t>79.9%</a:t>
+                <a:t>80.1%</a:t>
               </a:r>
             </a:p>
           </p:txBody>
@@ -5179,7 +5179,7 @@
           </p:nvSpPr>
           <p:spPr>
             <a:xfrm>
-              <a:off x="4682271" y="2817778"/>
+              <a:off x="4682173" y="2817771"/>
               <a:ext cx="208905" cy="109040"/>
             </a:xfrm>
             <a:prstGeom prst="rect">
@@ -5225,7 +5225,7 @@
           </p:nvSpPr>
           <p:spPr>
             <a:xfrm>
-              <a:off x="5103878" y="3025510"/>
+              <a:off x="5099929" y="3022239"/>
               <a:ext cx="409835" cy="109040"/>
             </a:xfrm>
             <a:prstGeom prst="rect">
@@ -5258,7 +5258,7 @@
                   <a:latin typeface="Arial"/>
                   <a:cs typeface="Arial"/>
                 </a:rPr>
-                <a:t>18.1%</a:t>
+                <a:t>17.9%</a:t>
               </a:r>
             </a:p>
           </p:txBody>
@@ -5271,7 +5271,7 @@
           </p:nvSpPr>
           <p:spPr>
             <a:xfrm>
-              <a:off x="3991043" y="4449727"/>
+              <a:off x="3995110" y="4452687"/>
               <a:ext cx="409835" cy="109040"/>
             </a:xfrm>
             <a:prstGeom prst="rect">
@@ -5304,7 +5304,7 @@
                   <a:latin typeface="Arial"/>
                   <a:cs typeface="Arial"/>
                 </a:rPr>
-                <a:t>79.9%</a:t>
+                <a:t>80.1%</a:t>
               </a:r>
             </a:p>
           </p:txBody>
@@ -5317,7 +5317,7 @@
           </p:nvSpPr>
           <p:spPr>
             <a:xfrm>
-              <a:off x="4681483" y="2821737"/>
+              <a:off x="4681385" y="2821731"/>
               <a:ext cx="208905" cy="109040"/>
             </a:xfrm>
             <a:prstGeom prst="rect">
@@ -5363,7 +5363,7 @@
           </p:nvSpPr>
           <p:spPr>
             <a:xfrm>
-              <a:off x="5103090" y="3029469"/>
+              <a:off x="5099142" y="3026198"/>
               <a:ext cx="409835" cy="109040"/>
             </a:xfrm>
             <a:prstGeom prst="rect">
@@ -5396,7 +5396,7 @@
                   <a:latin typeface="Arial"/>
                   <a:cs typeface="Arial"/>
                 </a:rPr>
-                <a:t>18.1%</a:t>
+                <a:t>17.9%</a:t>
               </a:r>
             </a:p>
           </p:txBody>
@@ -5409,7 +5409,7 @@
           </p:nvSpPr>
           <p:spPr>
             <a:xfrm>
-              <a:off x="3990256" y="4453686"/>
+              <a:off x="3994323" y="4456646"/>
               <a:ext cx="409835" cy="109040"/>
             </a:xfrm>
             <a:prstGeom prst="rect">
@@ -5442,7 +5442,7 @@
                   <a:latin typeface="Arial"/>
                   <a:cs typeface="Arial"/>
                 </a:rPr>
-                <a:t>79.9%</a:t>
+                <a:t>80.1%</a:t>
               </a:r>
             </a:p>
           </p:txBody>
@@ -5455,7 +5455,7 @@
           </p:nvSpPr>
           <p:spPr>
             <a:xfrm>
-              <a:off x="4682271" y="2825696"/>
+              <a:off x="4682173" y="2825690"/>
               <a:ext cx="208905" cy="109040"/>
             </a:xfrm>
             <a:prstGeom prst="rect">
@@ -5501,7 +5501,7 @@
           </p:nvSpPr>
           <p:spPr>
             <a:xfrm>
-              <a:off x="5103878" y="3033429"/>
+              <a:off x="5099929" y="3030158"/>
               <a:ext cx="409835" cy="109040"/>
             </a:xfrm>
             <a:prstGeom prst="rect">
@@ -5534,7 +5534,7 @@
                   <a:latin typeface="Arial"/>
                   <a:cs typeface="Arial"/>
                 </a:rPr>
-                <a:t>18.1%</a:t>
+                <a:t>17.9%</a:t>
               </a:r>
             </a:p>
           </p:txBody>
@@ -5547,7 +5547,7 @@
           </p:nvSpPr>
           <p:spPr>
             <a:xfrm>
-              <a:off x="3991043" y="4457646"/>
+              <a:off x="3995110" y="4460606"/>
               <a:ext cx="409835" cy="109040"/>
             </a:xfrm>
             <a:prstGeom prst="rect">
@@ -5580,7 +5580,7 @@
                   <a:latin typeface="Arial"/>
                   <a:cs typeface="Arial"/>
                 </a:rPr>
-                <a:t>79.9%</a:t>
+                <a:t>80.1%</a:t>
               </a:r>
             </a:p>
           </p:txBody>
@@ -5593,7 +5593,7 @@
           </p:nvSpPr>
           <p:spPr>
             <a:xfrm>
-              <a:off x="4684514" y="2829053"/>
+              <a:off x="4684416" y="2829047"/>
               <a:ext cx="208905" cy="109040"/>
             </a:xfrm>
             <a:prstGeom prst="rect">
@@ -5639,7 +5639,7 @@
           </p:nvSpPr>
           <p:spPr>
             <a:xfrm>
-              <a:off x="5106121" y="3036785"/>
+              <a:off x="5102172" y="3033514"/>
               <a:ext cx="409835" cy="109040"/>
             </a:xfrm>
             <a:prstGeom prst="rect">
@@ -5672,7 +5672,7 @@
                   <a:latin typeface="Arial"/>
                   <a:cs typeface="Arial"/>
                 </a:rPr>
-                <a:t>18.1%</a:t>
+                <a:t>17.9%</a:t>
               </a:r>
             </a:p>
           </p:txBody>
@@ -5685,7 +5685,7 @@
           </p:nvSpPr>
           <p:spPr>
             <a:xfrm>
-              <a:off x="3993286" y="4461002"/>
+              <a:off x="3997353" y="4463962"/>
               <a:ext cx="409835" cy="109040"/>
             </a:xfrm>
             <a:prstGeom prst="rect">
@@ -5718,7 +5718,7 @@
                   <a:latin typeface="Arial"/>
                   <a:cs typeface="Arial"/>
                 </a:rPr>
-                <a:t>79.9%</a:t>
+                <a:t>80.1%</a:t>
               </a:r>
             </a:p>
           </p:txBody>
@@ -5731,7 +5731,7 @@
           </p:nvSpPr>
           <p:spPr>
             <a:xfrm>
-              <a:off x="4687870" y="2831296"/>
+              <a:off x="4687773" y="2831290"/>
               <a:ext cx="208905" cy="109040"/>
             </a:xfrm>
             <a:prstGeom prst="rect">
@@ -5777,7 +5777,7 @@
           </p:nvSpPr>
           <p:spPr>
             <a:xfrm>
-              <a:off x="5109477" y="3039028"/>
+              <a:off x="5105529" y="3035757"/>
               <a:ext cx="409835" cy="109040"/>
             </a:xfrm>
             <a:prstGeom prst="rect">
@@ -5810,7 +5810,7 @@
                   <a:latin typeface="Arial"/>
                   <a:cs typeface="Arial"/>
                 </a:rPr>
-                <a:t>18.1%</a:t>
+                <a:t>17.9%</a:t>
               </a:r>
             </a:p>
           </p:txBody>
@@ -5823,7 +5823,7 @@
           </p:nvSpPr>
           <p:spPr>
             <a:xfrm>
-              <a:off x="3996643" y="4463245"/>
+              <a:off x="4000710" y="4466205"/>
               <a:ext cx="409835" cy="109040"/>
             </a:xfrm>
             <a:prstGeom prst="rect">
@@ -5856,7 +5856,7 @@
                   <a:latin typeface="Arial"/>
                   <a:cs typeface="Arial"/>
                 </a:rPr>
-                <a:t>79.9%</a:t>
+                <a:t>80.1%</a:t>
               </a:r>
             </a:p>
           </p:txBody>
@@ -5869,7 +5869,7 @@
           </p:nvSpPr>
           <p:spPr>
             <a:xfrm>
-              <a:off x="4691830" y="2832083"/>
+              <a:off x="4691732" y="2832077"/>
               <a:ext cx="208905" cy="109040"/>
             </a:xfrm>
             <a:prstGeom prst="rect">
@@ -5915,7 +5915,7 @@
           </p:nvSpPr>
           <p:spPr>
             <a:xfrm>
-              <a:off x="5113437" y="3039816"/>
+              <a:off x="5109488" y="3036545"/>
               <a:ext cx="409835" cy="109040"/>
             </a:xfrm>
             <a:prstGeom prst="rect">
@@ -5948,7 +5948,7 @@
                   <a:latin typeface="Arial"/>
                   <a:cs typeface="Arial"/>
                 </a:rPr>
-                <a:t>18.1%</a:t>
+                <a:t>17.9%</a:t>
               </a:r>
             </a:p>
           </p:txBody>
@@ -5961,7 +5961,7 @@
           </p:nvSpPr>
           <p:spPr>
             <a:xfrm>
-              <a:off x="4000602" y="4464033"/>
+              <a:off x="4004669" y="4466993"/>
               <a:ext cx="409835" cy="109040"/>
             </a:xfrm>
             <a:prstGeom prst="rect">
@@ -5994,7 +5994,7 @@
                   <a:latin typeface="Arial"/>
                   <a:cs typeface="Arial"/>
                 </a:rPr>
-                <a:t>79.9%</a:t>
+                <a:t>80.1%</a:t>
               </a:r>
             </a:p>
           </p:txBody>
@@ -6007,7 +6007,7 @@
           </p:nvSpPr>
           <p:spPr>
             <a:xfrm>
-              <a:off x="4695789" y="2831296"/>
+              <a:off x="4695691" y="2831290"/>
               <a:ext cx="208905" cy="109040"/>
             </a:xfrm>
             <a:prstGeom prst="rect">
@@ -6053,7 +6053,7 @@
           </p:nvSpPr>
           <p:spPr>
             <a:xfrm>
-              <a:off x="5117396" y="3039028"/>
+              <a:off x="5113447" y="3035757"/>
               <a:ext cx="409835" cy="109040"/>
             </a:xfrm>
             <a:prstGeom prst="rect">
@@ -6086,7 +6086,7 @@
                   <a:latin typeface="Arial"/>
                   <a:cs typeface="Arial"/>
                 </a:rPr>
-                <a:t>18.1%</a:t>
+                <a:t>17.9%</a:t>
               </a:r>
             </a:p>
           </p:txBody>
@@ -6099,7 +6099,7 @@
           </p:nvSpPr>
           <p:spPr>
             <a:xfrm>
-              <a:off x="4004562" y="4463245"/>
+              <a:off x="4008629" y="4466205"/>
               <a:ext cx="409835" cy="109040"/>
             </a:xfrm>
             <a:prstGeom prst="rect">
@@ -6132,7 +6132,7 @@
                   <a:latin typeface="Arial"/>
                   <a:cs typeface="Arial"/>
                 </a:rPr>
-                <a:t>79.9%</a:t>
+                <a:t>80.1%</a:t>
               </a:r>
             </a:p>
           </p:txBody>
@@ -6145,7 +6145,7 @@
           </p:nvSpPr>
           <p:spPr>
             <a:xfrm>
-              <a:off x="4699146" y="2829053"/>
+              <a:off x="4699048" y="2829047"/>
               <a:ext cx="208905" cy="109040"/>
             </a:xfrm>
             <a:prstGeom prst="rect">
@@ -6191,7 +6191,7 @@
           </p:nvSpPr>
           <p:spPr>
             <a:xfrm>
-              <a:off x="5120753" y="3036785"/>
+              <a:off x="5116804" y="3033514"/>
               <a:ext cx="409835" cy="109040"/>
             </a:xfrm>
             <a:prstGeom prst="rect">
@@ -6224,7 +6224,7 @@
                   <a:latin typeface="Arial"/>
                   <a:cs typeface="Arial"/>
                 </a:rPr>
-                <a:t>18.1%</a:t>
+                <a:t>17.9%</a:t>
               </a:r>
             </a:p>
           </p:txBody>
@@ -6237,7 +6237,7 @@
           </p:nvSpPr>
           <p:spPr>
             <a:xfrm>
-              <a:off x="4007918" y="4461002"/>
+              <a:off x="4011985" y="4463962"/>
               <a:ext cx="409835" cy="109040"/>
             </a:xfrm>
             <a:prstGeom prst="rect">
@@ -6270,7 +6270,7 @@
                   <a:latin typeface="Arial"/>
                   <a:cs typeface="Arial"/>
                 </a:rPr>
-                <a:t>79.9%</a:t>
+                <a:t>80.1%</a:t>
               </a:r>
             </a:p>
           </p:txBody>
@@ -6283,7 +6283,7 @@
           </p:nvSpPr>
           <p:spPr>
             <a:xfrm>
-              <a:off x="4701388" y="2825696"/>
+              <a:off x="4701291" y="2825690"/>
               <a:ext cx="208905" cy="109040"/>
             </a:xfrm>
             <a:prstGeom prst="rect">
@@ -6329,7 +6329,7 @@
           </p:nvSpPr>
           <p:spPr>
             <a:xfrm>
-              <a:off x="5122996" y="3033429"/>
+              <a:off x="5119047" y="3030158"/>
               <a:ext cx="409835" cy="109040"/>
             </a:xfrm>
             <a:prstGeom prst="rect">
@@ -6362,7 +6362,7 @@
                   <a:latin typeface="Arial"/>
                   <a:cs typeface="Arial"/>
                 </a:rPr>
-                <a:t>18.1%</a:t>
+                <a:t>17.9%</a:t>
               </a:r>
             </a:p>
           </p:txBody>
@@ -6375,7 +6375,7 @@
           </p:nvSpPr>
           <p:spPr>
             <a:xfrm>
-              <a:off x="4010161" y="4457646"/>
+              <a:off x="4014228" y="4460606"/>
               <a:ext cx="409835" cy="109040"/>
             </a:xfrm>
             <a:prstGeom prst="rect">
@@ -6408,7 +6408,7 @@
                   <a:latin typeface="Arial"/>
                   <a:cs typeface="Arial"/>
                 </a:rPr>
-                <a:t>79.9%</a:t>
+                <a:t>80.1%</a:t>
               </a:r>
             </a:p>
           </p:txBody>
@@ -6421,7 +6421,7 @@
           </p:nvSpPr>
           <p:spPr>
             <a:xfrm>
-              <a:off x="4702176" y="2821737"/>
+              <a:off x="4702078" y="2821731"/>
               <a:ext cx="208905" cy="109040"/>
             </a:xfrm>
             <a:prstGeom prst="rect">
@@ -6467,7 +6467,7 @@
           </p:nvSpPr>
           <p:spPr>
             <a:xfrm>
-              <a:off x="5123783" y="3029469"/>
+              <a:off x="5119834" y="3026198"/>
               <a:ext cx="409835" cy="109040"/>
             </a:xfrm>
             <a:prstGeom prst="rect">
@@ -6500,7 +6500,7 @@
                   <a:latin typeface="Arial"/>
                   <a:cs typeface="Arial"/>
                 </a:rPr>
-                <a:t>18.1%</a:t>
+                <a:t>17.9%</a:t>
               </a:r>
             </a:p>
           </p:txBody>
@@ -6513,7 +6513,7 @@
           </p:nvSpPr>
           <p:spPr>
             <a:xfrm>
-              <a:off x="4010949" y="4453686"/>
+              <a:off x="4015016" y="4456646"/>
               <a:ext cx="409835" cy="109040"/>
             </a:xfrm>
             <a:prstGeom prst="rect">
@@ -6546,7 +6546,7 @@
                   <a:latin typeface="Arial"/>
                   <a:cs typeface="Arial"/>
                 </a:rPr>
-                <a:t>79.9%</a:t>
+                <a:t>80.1%</a:t>
               </a:r>
             </a:p>
           </p:txBody>
@@ -6559,7 +6559,7 @@
           </p:nvSpPr>
           <p:spPr>
             <a:xfrm>
-              <a:off x="4691830" y="2821737"/>
+              <a:off x="4691732" y="2821731"/>
               <a:ext cx="208905" cy="109040"/>
             </a:xfrm>
             <a:prstGeom prst="rect">
@@ -6605,7 +6605,7 @@
           </p:nvSpPr>
           <p:spPr>
             <a:xfrm>
-              <a:off x="5113437" y="3029469"/>
+              <a:off x="5109488" y="3026198"/>
               <a:ext cx="409835" cy="109040"/>
             </a:xfrm>
             <a:prstGeom prst="rect">
@@ -6638,7 +6638,7 @@
                   <a:latin typeface="Arial"/>
                   <a:cs typeface="Arial"/>
                 </a:rPr>
-                <a:t>18.1%</a:t>
+                <a:t>17.9%</a:t>
               </a:r>
             </a:p>
           </p:txBody>
@@ -6651,7 +6651,7 @@
           </p:nvSpPr>
           <p:spPr>
             <a:xfrm>
-              <a:off x="4000602" y="4453686"/>
+              <a:off x="4004669" y="4456646"/>
               <a:ext cx="409835" cy="109040"/>
             </a:xfrm>
             <a:prstGeom prst="rect">
@@ -6684,7 +6684,7 @@
                   <a:latin typeface="Arial"/>
                   <a:cs typeface="Arial"/>
                 </a:rPr>
-                <a:t>79.9%</a:t>
+                <a:t>80.1%</a:t>
               </a:r>
             </a:p>
           </p:txBody>
